--- a/California.pptx
+++ b/California.pptx
@@ -6,9 +6,14 @@
   </p:sldMasterIdLst>
   <p:sldIdLst>
     <p:sldId id="257" r:id="rId2"/>
-    <p:sldId id="259" r:id="rId3"/>
-    <p:sldId id="260" r:id="rId4"/>
-    <p:sldId id="261" r:id="rId5"/>
+    <p:sldId id="266" r:id="rId3"/>
+    <p:sldId id="259" r:id="rId4"/>
+    <p:sldId id="262" r:id="rId5"/>
+    <p:sldId id="260" r:id="rId6"/>
+    <p:sldId id="263" r:id="rId7"/>
+    <p:sldId id="261" r:id="rId8"/>
+    <p:sldId id="264" r:id="rId9"/>
+    <p:sldId id="265" r:id="rId10"/>
   </p:sldIdLst>
   <p:sldSz cx="12192000" cy="6858000"/>
   <p:notesSz cx="6858000" cy="9144000"/>
@@ -359,7 +364,7 @@
           <a:p>
             <a:fld id="{9184DA70-C731-4C70-880D-CCD4705E623C}" type="datetime1">
               <a:rPr lang="en-US" smtClean="0"/>
-              <a:t>6/20/2020</a:t>
+              <a:t>6/21/2020</a:t>
             </a:fld>
             <a:endParaRPr lang="en-US" dirty="0"/>
           </a:p>
@@ -547,7 +552,7 @@
           <a:p>
             <a:fld id="{B612A279-0833-481D-8C56-F67FD0AC6C50}" type="datetime1">
               <a:rPr lang="en-US" smtClean="0"/>
-              <a:t>6/20/2020</a:t>
+              <a:t>6/21/2020</a:t>
             </a:fld>
             <a:endParaRPr lang="en-US" dirty="0"/>
           </a:p>
@@ -789,7 +794,7 @@
           <a:p>
             <a:fld id="{6587DA83-5663-4C9C-B9AA-0B40A3DAFF81}" type="datetime1">
               <a:rPr lang="en-US" smtClean="0"/>
-              <a:t>6/20/2020</a:t>
+              <a:t>6/21/2020</a:t>
             </a:fld>
             <a:endParaRPr lang="en-US" dirty="0"/>
           </a:p>
@@ -977,7 +982,7 @@
           <a:p>
             <a:fld id="{4BE1D723-8F53-4F53-90B0-1982A396982E}" type="datetime1">
               <a:rPr lang="en-US" smtClean="0"/>
-              <a:t>6/20/2020</a:t>
+              <a:t>6/21/2020</a:t>
             </a:fld>
             <a:endParaRPr lang="en-US" dirty="0"/>
           </a:p>
@@ -1350,7 +1355,7 @@
           <a:p>
             <a:fld id="{97669AF7-7BEB-44E4-9852-375E34362B5B}" type="datetime1">
               <a:rPr lang="en-US" smtClean="0"/>
-              <a:t>6/20/2020</a:t>
+              <a:t>6/21/2020</a:t>
             </a:fld>
             <a:endParaRPr lang="en-US" dirty="0"/>
           </a:p>
@@ -1605,7 +1610,7 @@
           <a:p>
             <a:fld id="{BAAAC38D-0552-4C82-B593-E6124DFADBE2}" type="datetime1">
               <a:rPr lang="en-US" smtClean="0"/>
-              <a:t>6/20/2020</a:t>
+              <a:t>6/21/2020</a:t>
             </a:fld>
             <a:endParaRPr lang="en-US" dirty="0"/>
           </a:p>
@@ -2002,7 +2007,7 @@
           <a:p>
             <a:fld id="{D9DF0F1C-5577-4ACB-BB62-DF8F3C494C7E}" type="datetime1">
               <a:rPr lang="en-US" smtClean="0"/>
-              <a:t>6/20/2020</a:t>
+              <a:t>6/21/2020</a:t>
             </a:fld>
             <a:endParaRPr lang="en-US" dirty="0"/>
           </a:p>
@@ -2138,7 +2143,7 @@
           <a:p>
             <a:fld id="{1775B394-D9F9-4F0C-B15D-605F45CB9E9F}" type="datetime1">
               <a:rPr lang="en-US" smtClean="0"/>
-              <a:t>6/20/2020</a:t>
+              <a:t>6/21/2020</a:t>
             </a:fld>
             <a:endParaRPr lang="en-US" dirty="0"/>
           </a:p>
@@ -2295,7 +2300,7 @@
           <a:p>
             <a:fld id="{39667345-2558-425A-8533-9BFDBCE15005}" type="datetime1">
               <a:rPr lang="en-US" smtClean="0"/>
-              <a:t>6/20/2020</a:t>
+              <a:t>6/21/2020</a:t>
             </a:fld>
             <a:endParaRPr lang="en-US" dirty="0"/>
           </a:p>
@@ -2624,7 +2629,7 @@
           <a:p>
             <a:fld id="{92BEA474-078D-4E9B-9B14-09A87B19DC46}" type="datetime1">
               <a:rPr lang="en-US" smtClean="0"/>
-              <a:t>6/20/2020</a:t>
+              <a:t>6/21/2020</a:t>
             </a:fld>
             <a:endParaRPr lang="en-US" dirty="0"/>
           </a:p>
@@ -2974,7 +2979,7 @@
           <a:p>
             <a:fld id="{4907D986-8816-4272-A432-0437A28A9828}" type="datetime1">
               <a:rPr lang="en-US" smtClean="0"/>
-              <a:t>6/20/2020</a:t>
+              <a:t>6/21/2020</a:t>
             </a:fld>
             <a:endParaRPr lang="en-US" dirty="0"/>
           </a:p>
@@ -3235,7 +3240,7 @@
           <a:p>
             <a:fld id="{62D6E202-B606-4609-B914-27C9371A1F6D}" type="datetime1">
               <a:rPr lang="en-US" smtClean="0"/>
-              <a:t>6/20/2020</a:t>
+              <a:t>6/21/2020</a:t>
             </a:fld>
             <a:endParaRPr lang="en-US" dirty="0"/>
           </a:p>
@@ -4043,7 +4048,7 @@
           <p:cNvPr id="2" name="Title 1">
             <a:extLst>
               <a:ext uri="{FF2B5EF4-FFF2-40B4-BE49-F238E27FC236}">
-                <a16:creationId xmlns:a16="http://schemas.microsoft.com/office/drawing/2014/main" id="{7F91BCBC-1D5F-4F9F-917C-8EA148F7DF7B}"/>
+                <a16:creationId xmlns:a16="http://schemas.microsoft.com/office/drawing/2014/main" id="{F0315DE7-A2CC-4B43-BC7A-E0B19A64FC5C}"/>
               </a:ext>
             </a:extLst>
           </p:cNvPr>
@@ -4061,7 +4066,7 @@
           <a:p>
             <a:r>
               <a:rPr lang="en-US" dirty="0"/>
-              <a:t>Problem statement</a:t>
+              <a:t>Introduction</a:t>
             </a:r>
           </a:p>
         </p:txBody>
@@ -4071,7 +4076,7 @@
           <p:cNvPr id="3" name="Content Placeholder 2">
             <a:extLst>
               <a:ext uri="{FF2B5EF4-FFF2-40B4-BE49-F238E27FC236}">
-                <a16:creationId xmlns:a16="http://schemas.microsoft.com/office/drawing/2014/main" id="{D6329F9F-A254-4375-B09F-A35D5EDE8AFB}"/>
+                <a16:creationId xmlns:a16="http://schemas.microsoft.com/office/drawing/2014/main" id="{A22F257A-88A0-4E6A-84E1-8C6FDC476CF8}"/>
               </a:ext>
             </a:extLst>
           </p:cNvPr>
@@ -4087,64 +4092,35 @@
           <a:bodyPr/>
           <a:lstStyle/>
           <a:p>
-            <a:pPr>
-              <a:buFont typeface="Arial" panose="020B0604020202020204" pitchFamily="34" charset="0"/>
-              <a:buChar char="•"/>
+            <a:pPr marL="0" indent="0">
+              <a:buNone/>
             </a:pPr>
             <a:r>
               <a:rPr lang="en-US" dirty="0"/>
-              <a:t>A family had a hard tie to decide which city is more suitable for a vacation in it’s Disney themed park .</a:t>
-            </a:r>
-          </a:p>
-          <a:p>
-            <a:pPr>
-              <a:buFont typeface="Arial" panose="020B0604020202020204" pitchFamily="34" charset="0"/>
-              <a:buChar char="•"/>
+              <a:t>There are 6 Disney themed resorts all around the world but the top two are in Florida and California </a:t>
+            </a:r>
+          </a:p>
+          <a:p>
+            <a:pPr marL="0" indent="0">
+              <a:buNone/>
             </a:pPr>
             <a:r>
               <a:rPr lang="en-US" dirty="0"/>
-              <a:t>After some researches it was found that there are 6 of them in the whole world,</a:t>
-            </a:r>
-            <a:br>
+              <a:t>A family asked for a model to help decide which of the top two Disney themed resorts are the best for a vacation .</a:t>
+            </a:r>
+          </a:p>
+          <a:p>
+            <a:pPr marL="0" indent="0">
+              <a:buNone/>
+            </a:pPr>
+            <a:r>
               <a:rPr lang="en-US" dirty="0"/>
-            </a:br>
-            <a:r>
-              <a:rPr lang="en-US" dirty="0"/>
-              <a:t>but the top two were California and Florida </a:t>
-            </a:r>
-          </a:p>
-          <a:p>
-            <a:pPr>
-              <a:buFont typeface="Arial" panose="020B0604020202020204" pitchFamily="34" charset="0"/>
-              <a:buChar char="•"/>
-            </a:pPr>
-            <a:r>
-              <a:rPr lang="en-US" dirty="0"/>
-              <a:t>So the family decided to visit one of them but had some concerns about the neighborhood</a:t>
-            </a:r>
-          </a:p>
-          <a:p>
-            <a:pPr>
-              <a:buFont typeface="Arial" panose="020B0604020202020204" pitchFamily="34" charset="0"/>
-              <a:buChar char="•"/>
-            </a:pPr>
-            <a:r>
-              <a:rPr lang="en-US" dirty="0"/>
-              <a:t>That’s when data Science came in to save their vacation and help them decide which neighborhood is more suitable and meets their concerns.</a:t>
-            </a:r>
-          </a:p>
-          <a:p>
-            <a:pPr>
-              <a:buFont typeface="Arial" panose="020B0604020202020204" pitchFamily="34" charset="0"/>
-              <a:buChar char="•"/>
-            </a:pPr>
-            <a:endParaRPr lang="en-US" dirty="0"/>
-          </a:p>
-          <a:p>
-            <a:pPr>
-              <a:buFont typeface="Arial" panose="020B0604020202020204" pitchFamily="34" charset="0"/>
-              <a:buChar char="•"/>
-            </a:pPr>
+              <a:t>The family had some concerns like the distance between the resort and hotels, hospitals around </a:t>
+            </a:r>
+            <a:r>
+              <a:rPr lang="en-US"/>
+              <a:t>them .</a:t>
+            </a:r>
             <a:endParaRPr lang="en-US" dirty="0"/>
           </a:p>
         </p:txBody>
@@ -4152,7 +4128,7 @@
     </p:spTree>
     <p:extLst>
       <p:ext uri="{BB962C8B-B14F-4D97-AF65-F5344CB8AC3E}">
-        <p14:creationId xmlns:p14="http://schemas.microsoft.com/office/powerpoint/2010/main" val="1908268036"/>
+        <p14:creationId xmlns:p14="http://schemas.microsoft.com/office/powerpoint/2010/main" val="4027953231"/>
       </p:ext>
     </p:extLst>
   </p:cSld>
@@ -4184,7 +4160,7 @@
           <p:cNvPr id="2" name="Title 1">
             <a:extLst>
               <a:ext uri="{FF2B5EF4-FFF2-40B4-BE49-F238E27FC236}">
-                <a16:creationId xmlns:a16="http://schemas.microsoft.com/office/drawing/2014/main" id="{9EBA6A98-A7F1-412C-97FC-5C3070912B2C}"/>
+                <a16:creationId xmlns:a16="http://schemas.microsoft.com/office/drawing/2014/main" id="{7F91BCBC-1D5F-4F9F-917C-8EA148F7DF7B}"/>
               </a:ext>
             </a:extLst>
           </p:cNvPr>
@@ -4202,7 +4178,7 @@
           <a:p>
             <a:r>
               <a:rPr lang="en-US" dirty="0"/>
-              <a:t>Data section</a:t>
+              <a:t>Problem statement</a:t>
             </a:r>
           </a:p>
         </p:txBody>
@@ -4212,7 +4188,7 @@
           <p:cNvPr id="3" name="Content Placeholder 2">
             <a:extLst>
               <a:ext uri="{FF2B5EF4-FFF2-40B4-BE49-F238E27FC236}">
-                <a16:creationId xmlns:a16="http://schemas.microsoft.com/office/drawing/2014/main" id="{D78A2D11-56FC-4DC1-A363-7567C6F4D447}"/>
+                <a16:creationId xmlns:a16="http://schemas.microsoft.com/office/drawing/2014/main" id="{D6329F9F-A254-4375-B09F-A35D5EDE8AFB}"/>
               </a:ext>
             </a:extLst>
           </p:cNvPr>
@@ -4225,9 +4201,7 @@
         </p:nvSpPr>
         <p:spPr/>
         <p:txBody>
-          <a:bodyPr>
-            <a:normAutofit/>
-          </a:bodyPr>
+          <a:bodyPr/>
           <a:lstStyle/>
           <a:p>
             <a:pPr>
@@ -4236,7 +4210,7 @@
             </a:pPr>
             <a:r>
               <a:rPr lang="en-US" dirty="0"/>
-              <a:t> Data used in this project was the data provided by foursquare </a:t>
+              <a:t>A family had a hard tie to decide which city is more suitable for a vacation in it’s Disney themed park .</a:t>
             </a:r>
           </a:p>
           <a:p>
@@ -4246,7 +4220,14 @@
             </a:pPr>
             <a:r>
               <a:rPr lang="en-US" dirty="0"/>
-              <a:t> data around each  of the top two resorts was needed</a:t>
+              <a:t>After some researches it was found that there are 6 of them in the whole world,</a:t>
+            </a:r>
+            <a:br>
+              <a:rPr lang="en-US" dirty="0"/>
+            </a:br>
+            <a:r>
+              <a:rPr lang="en-US" dirty="0"/>
+              <a:t>but the top two were California and Florida </a:t>
             </a:r>
           </a:p>
           <a:p>
@@ -4254,36 +4235,13 @@
               <a:buFont typeface="Arial" panose="020B0604020202020204" pitchFamily="34" charset="0"/>
               <a:buChar char="•"/>
             </a:pPr>
-            <a:r>
-              <a:rPr lang="en-US" dirty="0"/>
-              <a:t>Data retrieved from Foursquare </a:t>
-            </a:r>
+            <a:endParaRPr lang="en-US" dirty="0"/>
           </a:p>
           <a:p>
             <a:pPr>
               <a:buFont typeface="Arial" panose="020B0604020202020204" pitchFamily="34" charset="0"/>
               <a:buChar char="•"/>
             </a:pPr>
-            <a:r>
-              <a:rPr lang="en-US" dirty="0"/>
-              <a:t>Json files were the form data was retrieved as</a:t>
-            </a:r>
-          </a:p>
-          <a:p>
-            <a:pPr>
-              <a:buFont typeface="Arial" panose="020B0604020202020204" pitchFamily="34" charset="0"/>
-              <a:buChar char="•"/>
-            </a:pPr>
-            <a:r>
-              <a:rPr lang="en-US" dirty="0"/>
-              <a:t>distance of each hotel and hospitals was taken along with some other data as ( longitude , latitude, id …) and cleaned up and added to a Data frame</a:t>
-            </a:r>
-          </a:p>
-          <a:p>
-            <a:pPr>
-              <a:buFont typeface="Arial" panose="020B0604020202020204" pitchFamily="34" charset="0"/>
-              <a:buChar char="•"/>
-            </a:pPr>
             <a:endParaRPr lang="en-US" dirty="0"/>
           </a:p>
         </p:txBody>
@@ -4291,7 +4249,7 @@
     </p:spTree>
     <p:extLst>
       <p:ext uri="{BB962C8B-B14F-4D97-AF65-F5344CB8AC3E}">
-        <p14:creationId xmlns:p14="http://schemas.microsoft.com/office/powerpoint/2010/main" val="4200270329"/>
+        <p14:creationId xmlns:p14="http://schemas.microsoft.com/office/powerpoint/2010/main" val="1908268036"/>
       </p:ext>
     </p:extLst>
   </p:cSld>
@@ -4323,7 +4281,7 @@
           <p:cNvPr id="2" name="Title 1">
             <a:extLst>
               <a:ext uri="{FF2B5EF4-FFF2-40B4-BE49-F238E27FC236}">
-                <a16:creationId xmlns:a16="http://schemas.microsoft.com/office/drawing/2014/main" id="{B53A5C49-BC29-4491-AA78-B18188C9BC66}"/>
+                <a16:creationId xmlns:a16="http://schemas.microsoft.com/office/drawing/2014/main" id="{1C20A150-425D-4A89-A097-60864E3F1C2D}"/>
               </a:ext>
             </a:extLst>
           </p:cNvPr>
@@ -4341,7 +4299,15 @@
           <a:p>
             <a:r>
               <a:rPr lang="en-US" dirty="0"/>
-              <a:t>methodology</a:t>
+              <a:t>Problem statement </a:t>
+            </a:r>
+            <a:r>
+              <a:rPr lang="en-US" dirty="0" err="1"/>
+              <a:t>cont</a:t>
+            </a:r>
+            <a:r>
+              <a:rPr lang="en-US" dirty="0"/>
+              <a:t>’</a:t>
             </a:r>
           </a:p>
         </p:txBody>
@@ -4351,7 +4317,7 @@
           <p:cNvPr id="3" name="Content Placeholder 2">
             <a:extLst>
               <a:ext uri="{FF2B5EF4-FFF2-40B4-BE49-F238E27FC236}">
-                <a16:creationId xmlns:a16="http://schemas.microsoft.com/office/drawing/2014/main" id="{51477941-6756-41E1-852B-E58BD6A40CBB}"/>
+                <a16:creationId xmlns:a16="http://schemas.microsoft.com/office/drawing/2014/main" id="{DD8B86CA-4A1A-4551-9922-8334E6BEB434}"/>
               </a:ext>
             </a:extLst>
           </p:cNvPr>
@@ -4373,8 +4339,14 @@
             </a:pPr>
             <a:r>
               <a:rPr lang="en-US" dirty="0"/>
-              <a:t> Family declared some concerns taken as criteria for our analysis</a:t>
-            </a:r>
+              <a:t>So the family decided to visit one of them but had some concerns about the neighborhood</a:t>
+            </a:r>
+          </a:p>
+          <a:p>
+            <a:pPr marL="0" indent="0">
+              <a:buNone/>
+            </a:pPr>
+            <a:endParaRPr lang="en-US" dirty="0"/>
           </a:p>
           <a:p>
             <a:pPr>
@@ -4383,9 +4355,94 @@
             </a:pPr>
             <a:r>
               <a:rPr lang="en-US" dirty="0"/>
-              <a:t> took every concern as point and started working on each one individually </a:t>
-            </a:r>
-          </a:p>
+              <a:t>That’s when data Science came in to save their vacation and help them decide which neighborhood is more suitable and meets their concerns.</a:t>
+            </a:r>
+          </a:p>
+          <a:p>
+            <a:endParaRPr lang="en-US" dirty="0"/>
+          </a:p>
+        </p:txBody>
+      </p:sp>
+    </p:spTree>
+    <p:extLst>
+      <p:ext uri="{BB962C8B-B14F-4D97-AF65-F5344CB8AC3E}">
+        <p14:creationId xmlns:p14="http://schemas.microsoft.com/office/powerpoint/2010/main" val="3636688075"/>
+      </p:ext>
+    </p:extLst>
+  </p:cSld>
+  <p:clrMapOvr>
+    <a:masterClrMapping/>
+  </p:clrMapOvr>
+</p:sld>
+</file>
+
+<file path=ppt/slides/slide5.xml><?xml version="1.0" encoding="utf-8"?>
+<p:sld xmlns:a="http://schemas.openxmlformats.org/drawingml/2006/main" xmlns:r="http://schemas.openxmlformats.org/officeDocument/2006/relationships" xmlns:p="http://schemas.openxmlformats.org/presentationml/2006/main">
+  <p:cSld>
+    <p:spTree>
+      <p:nvGrpSpPr>
+        <p:cNvPr id="1" name=""/>
+        <p:cNvGrpSpPr/>
+        <p:nvPr/>
+      </p:nvGrpSpPr>
+      <p:grpSpPr>
+        <a:xfrm>
+          <a:off x="0" y="0"/>
+          <a:ext cx="0" cy="0"/>
+          <a:chOff x="0" y="0"/>
+          <a:chExt cx="0" cy="0"/>
+        </a:xfrm>
+      </p:grpSpPr>
+      <p:sp>
+        <p:nvSpPr>
+          <p:cNvPr id="2" name="Title 1">
+            <a:extLst>
+              <a:ext uri="{FF2B5EF4-FFF2-40B4-BE49-F238E27FC236}">
+                <a16:creationId xmlns:a16="http://schemas.microsoft.com/office/drawing/2014/main" id="{9EBA6A98-A7F1-412C-97FC-5C3070912B2C}"/>
+              </a:ext>
+            </a:extLst>
+          </p:cNvPr>
+          <p:cNvSpPr>
+            <a:spLocks noGrp="1"/>
+          </p:cNvSpPr>
+          <p:nvPr>
+            <p:ph type="title"/>
+          </p:nvPr>
+        </p:nvSpPr>
+        <p:spPr/>
+        <p:txBody>
+          <a:bodyPr/>
+          <a:lstStyle/>
+          <a:p>
+            <a:r>
+              <a:rPr lang="en-US" dirty="0"/>
+              <a:t>Data section</a:t>
+            </a:r>
+          </a:p>
+        </p:txBody>
+      </p:sp>
+      <p:sp>
+        <p:nvSpPr>
+          <p:cNvPr id="3" name="Content Placeholder 2">
+            <a:extLst>
+              <a:ext uri="{FF2B5EF4-FFF2-40B4-BE49-F238E27FC236}">
+                <a16:creationId xmlns:a16="http://schemas.microsoft.com/office/drawing/2014/main" id="{D78A2D11-56FC-4DC1-A363-7567C6F4D447}"/>
+              </a:ext>
+            </a:extLst>
+          </p:cNvPr>
+          <p:cNvSpPr>
+            <a:spLocks noGrp="1"/>
+          </p:cNvSpPr>
+          <p:nvPr>
+            <p:ph idx="1"/>
+          </p:nvPr>
+        </p:nvSpPr>
+        <p:spPr/>
+        <p:txBody>
+          <a:bodyPr>
+            <a:normAutofit/>
+          </a:bodyPr>
+          <a:lstStyle/>
           <a:p>
             <a:pPr>
               <a:buFont typeface="Arial" panose="020B0604020202020204" pitchFamily="34" charset="0"/>
@@ -4393,7 +4450,7 @@
             </a:pPr>
             <a:r>
               <a:rPr lang="en-US" dirty="0"/>
-              <a:t> data around each  of the top two resorts were needed</a:t>
+              <a:t> Data used in this project was the data provided by foursquare </a:t>
             </a:r>
           </a:p>
           <a:p>
@@ -4403,7 +4460,7 @@
             </a:pPr>
             <a:r>
               <a:rPr lang="en-US" dirty="0"/>
-              <a:t>Data retrieved from Foursquare </a:t>
+              <a:t> data around each  of the top two resorts was needed</a:t>
             </a:r>
           </a:p>
           <a:p>
@@ -4413,7 +4470,7 @@
             </a:pPr>
             <a:r>
               <a:rPr lang="en-US" dirty="0"/>
-              <a:t> after using API a closer look had to be taken to make sure of the data structure and retrieve the required data efficiently</a:t>
+              <a:t>Data retrieved from Foursquare </a:t>
             </a:r>
           </a:p>
           <a:p>
@@ -4421,13 +4478,231 @@
               <a:buFont typeface="Arial" panose="020B0604020202020204" pitchFamily="34" charset="0"/>
               <a:buChar char="•"/>
             </a:pPr>
-            <a:r>
-              <a:rPr lang="en-US"/>
-              <a:t> distance of each hotel and hospitals was taken along with some other data as ( longitude , latitude, id …) and cleaned up and added to a Data frame</a:t>
-            </a:r>
-          </a:p>
-          <a:p>
-            <a:endParaRPr lang="en-US"/>
+            <a:endParaRPr lang="en-US" dirty="0"/>
+          </a:p>
+        </p:txBody>
+      </p:sp>
+    </p:spTree>
+    <p:extLst>
+      <p:ext uri="{BB962C8B-B14F-4D97-AF65-F5344CB8AC3E}">
+        <p14:creationId xmlns:p14="http://schemas.microsoft.com/office/powerpoint/2010/main" val="4200270329"/>
+      </p:ext>
+    </p:extLst>
+  </p:cSld>
+  <p:clrMapOvr>
+    <a:masterClrMapping/>
+  </p:clrMapOvr>
+</p:sld>
+</file>
+
+<file path=ppt/slides/slide6.xml><?xml version="1.0" encoding="utf-8"?>
+<p:sld xmlns:a="http://schemas.openxmlformats.org/drawingml/2006/main" xmlns:r="http://schemas.openxmlformats.org/officeDocument/2006/relationships" xmlns:p="http://schemas.openxmlformats.org/presentationml/2006/main">
+  <p:cSld>
+    <p:spTree>
+      <p:nvGrpSpPr>
+        <p:cNvPr id="1" name=""/>
+        <p:cNvGrpSpPr/>
+        <p:nvPr/>
+      </p:nvGrpSpPr>
+      <p:grpSpPr>
+        <a:xfrm>
+          <a:off x="0" y="0"/>
+          <a:ext cx="0" cy="0"/>
+          <a:chOff x="0" y="0"/>
+          <a:chExt cx="0" cy="0"/>
+        </a:xfrm>
+      </p:grpSpPr>
+      <p:sp>
+        <p:nvSpPr>
+          <p:cNvPr id="2" name="Title 1">
+            <a:extLst>
+              <a:ext uri="{FF2B5EF4-FFF2-40B4-BE49-F238E27FC236}">
+                <a16:creationId xmlns:a16="http://schemas.microsoft.com/office/drawing/2014/main" id="{7C9EF8BF-0BC7-44D7-99EB-BF406A2FB1EB}"/>
+              </a:ext>
+            </a:extLst>
+          </p:cNvPr>
+          <p:cNvSpPr>
+            <a:spLocks noGrp="1"/>
+          </p:cNvSpPr>
+          <p:nvPr>
+            <p:ph type="title"/>
+          </p:nvPr>
+        </p:nvSpPr>
+        <p:spPr/>
+        <p:txBody>
+          <a:bodyPr/>
+          <a:lstStyle/>
+          <a:p>
+            <a:r>
+              <a:rPr lang="en-US" dirty="0"/>
+              <a:t>Data section </a:t>
+            </a:r>
+            <a:r>
+              <a:rPr lang="en-US" dirty="0" err="1"/>
+              <a:t>cont</a:t>
+            </a:r>
+            <a:r>
+              <a:rPr lang="en-US" dirty="0"/>
+              <a:t>’</a:t>
+            </a:r>
+          </a:p>
+        </p:txBody>
+      </p:sp>
+      <p:sp>
+        <p:nvSpPr>
+          <p:cNvPr id="3" name="Content Placeholder 2">
+            <a:extLst>
+              <a:ext uri="{FF2B5EF4-FFF2-40B4-BE49-F238E27FC236}">
+                <a16:creationId xmlns:a16="http://schemas.microsoft.com/office/drawing/2014/main" id="{5EFCD425-2B35-458F-80E1-13E8E5FD1AEB}"/>
+              </a:ext>
+            </a:extLst>
+          </p:cNvPr>
+          <p:cNvSpPr>
+            <a:spLocks noGrp="1"/>
+          </p:cNvSpPr>
+          <p:nvPr>
+            <p:ph idx="1"/>
+          </p:nvPr>
+        </p:nvSpPr>
+        <p:spPr/>
+        <p:txBody>
+          <a:bodyPr/>
+          <a:lstStyle/>
+          <a:p>
+            <a:pPr>
+              <a:buFont typeface="Arial" panose="020B0604020202020204" pitchFamily="34" charset="0"/>
+              <a:buChar char="•"/>
+            </a:pPr>
+            <a:r>
+              <a:rPr lang="en-US" dirty="0"/>
+              <a:t>Json files were the form data was retrieved as</a:t>
+            </a:r>
+          </a:p>
+          <a:p>
+            <a:pPr>
+              <a:buFont typeface="Arial" panose="020B0604020202020204" pitchFamily="34" charset="0"/>
+              <a:buChar char="•"/>
+            </a:pPr>
+            <a:r>
+              <a:rPr lang="en-US" dirty="0"/>
+              <a:t>distance of each hotel and hospitals was taken along with some other data as ( longitude , latitude, id …) and cleaned up and added to a Data frame</a:t>
+            </a:r>
+          </a:p>
+          <a:p>
+            <a:endParaRPr lang="en-US" dirty="0"/>
+          </a:p>
+        </p:txBody>
+      </p:sp>
+    </p:spTree>
+    <p:extLst>
+      <p:ext uri="{BB962C8B-B14F-4D97-AF65-F5344CB8AC3E}">
+        <p14:creationId xmlns:p14="http://schemas.microsoft.com/office/powerpoint/2010/main" val="2419629168"/>
+      </p:ext>
+    </p:extLst>
+  </p:cSld>
+  <p:clrMapOvr>
+    <a:masterClrMapping/>
+  </p:clrMapOvr>
+</p:sld>
+</file>
+
+<file path=ppt/slides/slide7.xml><?xml version="1.0" encoding="utf-8"?>
+<p:sld xmlns:a="http://schemas.openxmlformats.org/drawingml/2006/main" xmlns:r="http://schemas.openxmlformats.org/officeDocument/2006/relationships" xmlns:p="http://schemas.openxmlformats.org/presentationml/2006/main">
+  <p:cSld>
+    <p:spTree>
+      <p:nvGrpSpPr>
+        <p:cNvPr id="1" name=""/>
+        <p:cNvGrpSpPr/>
+        <p:nvPr/>
+      </p:nvGrpSpPr>
+      <p:grpSpPr>
+        <a:xfrm>
+          <a:off x="0" y="0"/>
+          <a:ext cx="0" cy="0"/>
+          <a:chOff x="0" y="0"/>
+          <a:chExt cx="0" cy="0"/>
+        </a:xfrm>
+      </p:grpSpPr>
+      <p:sp>
+        <p:nvSpPr>
+          <p:cNvPr id="2" name="Title 1">
+            <a:extLst>
+              <a:ext uri="{FF2B5EF4-FFF2-40B4-BE49-F238E27FC236}">
+                <a16:creationId xmlns:a16="http://schemas.microsoft.com/office/drawing/2014/main" id="{B53A5C49-BC29-4491-AA78-B18188C9BC66}"/>
+              </a:ext>
+            </a:extLst>
+          </p:cNvPr>
+          <p:cNvSpPr>
+            <a:spLocks noGrp="1"/>
+          </p:cNvSpPr>
+          <p:nvPr>
+            <p:ph type="title"/>
+          </p:nvPr>
+        </p:nvSpPr>
+        <p:spPr/>
+        <p:txBody>
+          <a:bodyPr/>
+          <a:lstStyle/>
+          <a:p>
+            <a:r>
+              <a:rPr lang="en-US" dirty="0"/>
+              <a:t>methodology</a:t>
+            </a:r>
+          </a:p>
+        </p:txBody>
+      </p:sp>
+      <p:sp>
+        <p:nvSpPr>
+          <p:cNvPr id="3" name="Content Placeholder 2">
+            <a:extLst>
+              <a:ext uri="{FF2B5EF4-FFF2-40B4-BE49-F238E27FC236}">
+                <a16:creationId xmlns:a16="http://schemas.microsoft.com/office/drawing/2014/main" id="{51477941-6756-41E1-852B-E58BD6A40CBB}"/>
+              </a:ext>
+            </a:extLst>
+          </p:cNvPr>
+          <p:cNvSpPr>
+            <a:spLocks noGrp="1"/>
+          </p:cNvSpPr>
+          <p:nvPr>
+            <p:ph idx="1"/>
+          </p:nvPr>
+        </p:nvSpPr>
+        <p:spPr/>
+        <p:txBody>
+          <a:bodyPr/>
+          <a:lstStyle/>
+          <a:p>
+            <a:pPr>
+              <a:buFont typeface="Arial" panose="020B0604020202020204" pitchFamily="34" charset="0"/>
+              <a:buChar char="•"/>
+            </a:pPr>
+            <a:r>
+              <a:rPr lang="en-US" dirty="0"/>
+              <a:t> Family declared some concerns taken as criteria for our analysis</a:t>
+            </a:r>
+          </a:p>
+          <a:p>
+            <a:pPr>
+              <a:buFont typeface="Arial" panose="020B0604020202020204" pitchFamily="34" charset="0"/>
+              <a:buChar char="•"/>
+            </a:pPr>
+            <a:r>
+              <a:rPr lang="en-US" dirty="0"/>
+              <a:t> took every concern as point and started working on each one individually </a:t>
+            </a:r>
+          </a:p>
+          <a:p>
+            <a:pPr>
+              <a:buFont typeface="Arial" panose="020B0604020202020204" pitchFamily="34" charset="0"/>
+              <a:buChar char="•"/>
+            </a:pPr>
+            <a:r>
+              <a:rPr lang="en-US" dirty="0"/>
+              <a:t> data around each  of the top two resorts were needed</a:t>
+            </a:r>
+          </a:p>
+          <a:p>
+            <a:endParaRPr lang="en-US" dirty="0"/>
           </a:p>
         </p:txBody>
       </p:sp>
@@ -4435,6 +4710,237 @@
     <p:extLst>
       <p:ext uri="{BB962C8B-B14F-4D97-AF65-F5344CB8AC3E}">
         <p14:creationId xmlns:p14="http://schemas.microsoft.com/office/powerpoint/2010/main" val="1528812013"/>
+      </p:ext>
+    </p:extLst>
+  </p:cSld>
+  <p:clrMapOvr>
+    <a:masterClrMapping/>
+  </p:clrMapOvr>
+</p:sld>
+</file>
+
+<file path=ppt/slides/slide8.xml><?xml version="1.0" encoding="utf-8"?>
+<p:sld xmlns:a="http://schemas.openxmlformats.org/drawingml/2006/main" xmlns:r="http://schemas.openxmlformats.org/officeDocument/2006/relationships" xmlns:p="http://schemas.openxmlformats.org/presentationml/2006/main">
+  <p:cSld>
+    <p:spTree>
+      <p:nvGrpSpPr>
+        <p:cNvPr id="1" name=""/>
+        <p:cNvGrpSpPr/>
+        <p:nvPr/>
+      </p:nvGrpSpPr>
+      <p:grpSpPr>
+        <a:xfrm>
+          <a:off x="0" y="0"/>
+          <a:ext cx="0" cy="0"/>
+          <a:chOff x="0" y="0"/>
+          <a:chExt cx="0" cy="0"/>
+        </a:xfrm>
+      </p:grpSpPr>
+      <p:sp>
+        <p:nvSpPr>
+          <p:cNvPr id="2" name="Title 1">
+            <a:extLst>
+              <a:ext uri="{FF2B5EF4-FFF2-40B4-BE49-F238E27FC236}">
+                <a16:creationId xmlns:a16="http://schemas.microsoft.com/office/drawing/2014/main" id="{F42E1BC5-590B-4172-BC7A-80469FE2A14C}"/>
+              </a:ext>
+            </a:extLst>
+          </p:cNvPr>
+          <p:cNvSpPr>
+            <a:spLocks noGrp="1"/>
+          </p:cNvSpPr>
+          <p:nvPr>
+            <p:ph type="title"/>
+          </p:nvPr>
+        </p:nvSpPr>
+        <p:spPr/>
+        <p:txBody>
+          <a:bodyPr/>
+          <a:lstStyle/>
+          <a:p>
+            <a:r>
+              <a:rPr lang="en-US" dirty="0"/>
+              <a:t>Methodology </a:t>
+            </a:r>
+            <a:r>
+              <a:rPr lang="en-US" dirty="0" err="1"/>
+              <a:t>cont</a:t>
+            </a:r>
+            <a:r>
+              <a:rPr lang="en-US" dirty="0"/>
+              <a:t>’</a:t>
+            </a:r>
+          </a:p>
+        </p:txBody>
+      </p:sp>
+      <p:sp>
+        <p:nvSpPr>
+          <p:cNvPr id="3" name="Content Placeholder 2">
+            <a:extLst>
+              <a:ext uri="{FF2B5EF4-FFF2-40B4-BE49-F238E27FC236}">
+                <a16:creationId xmlns:a16="http://schemas.microsoft.com/office/drawing/2014/main" id="{DA159EB7-215F-4493-AD26-151D52B86B72}"/>
+              </a:ext>
+            </a:extLst>
+          </p:cNvPr>
+          <p:cNvSpPr>
+            <a:spLocks noGrp="1"/>
+          </p:cNvSpPr>
+          <p:nvPr>
+            <p:ph idx="1"/>
+          </p:nvPr>
+        </p:nvSpPr>
+        <p:spPr/>
+        <p:txBody>
+          <a:bodyPr/>
+          <a:lstStyle/>
+          <a:p>
+            <a:pPr>
+              <a:buFont typeface="Arial" panose="020B0604020202020204" pitchFamily="34" charset="0"/>
+              <a:buChar char="•"/>
+            </a:pPr>
+            <a:r>
+              <a:rPr lang="en-US" dirty="0"/>
+              <a:t>Data retrieved from Foursquare </a:t>
+            </a:r>
+          </a:p>
+          <a:p>
+            <a:pPr>
+              <a:buFont typeface="Arial" panose="020B0604020202020204" pitchFamily="34" charset="0"/>
+              <a:buChar char="•"/>
+            </a:pPr>
+            <a:r>
+              <a:rPr lang="en-US" dirty="0"/>
+              <a:t> after using API a closer look had to be taken to make sure of the data structure and retrieve the required data efficiently</a:t>
+            </a:r>
+          </a:p>
+          <a:p>
+            <a:pPr>
+              <a:buFont typeface="Arial" panose="020B0604020202020204" pitchFamily="34" charset="0"/>
+              <a:buChar char="•"/>
+            </a:pPr>
+            <a:r>
+              <a:rPr lang="en-US" dirty="0"/>
+              <a:t> distance of each hotel and hospitals was taken along with some other data as ( longitude , latitude, id …) and cleaned up and added to a Data frame</a:t>
+            </a:r>
+          </a:p>
+          <a:p>
+            <a:endParaRPr lang="en-US" dirty="0"/>
+          </a:p>
+        </p:txBody>
+      </p:sp>
+    </p:spTree>
+    <p:extLst>
+      <p:ext uri="{BB962C8B-B14F-4D97-AF65-F5344CB8AC3E}">
+        <p14:creationId xmlns:p14="http://schemas.microsoft.com/office/powerpoint/2010/main" val="3806693084"/>
+      </p:ext>
+    </p:extLst>
+  </p:cSld>
+  <p:clrMapOvr>
+    <a:masterClrMapping/>
+  </p:clrMapOvr>
+</p:sld>
+</file>
+
+<file path=ppt/slides/slide9.xml><?xml version="1.0" encoding="utf-8"?>
+<p:sld xmlns:a="http://schemas.openxmlformats.org/drawingml/2006/main" xmlns:r="http://schemas.openxmlformats.org/officeDocument/2006/relationships" xmlns:p="http://schemas.openxmlformats.org/presentationml/2006/main">
+  <p:cSld>
+    <p:spTree>
+      <p:nvGrpSpPr>
+        <p:cNvPr id="1" name=""/>
+        <p:cNvGrpSpPr/>
+        <p:nvPr/>
+      </p:nvGrpSpPr>
+      <p:grpSpPr>
+        <a:xfrm>
+          <a:off x="0" y="0"/>
+          <a:ext cx="0" cy="0"/>
+          <a:chOff x="0" y="0"/>
+          <a:chExt cx="0" cy="0"/>
+        </a:xfrm>
+      </p:grpSpPr>
+      <p:sp>
+        <p:nvSpPr>
+          <p:cNvPr id="2" name="Title 1">
+            <a:extLst>
+              <a:ext uri="{FF2B5EF4-FFF2-40B4-BE49-F238E27FC236}">
+                <a16:creationId xmlns:a16="http://schemas.microsoft.com/office/drawing/2014/main" id="{37C48FF5-FBCF-4E71-9F4A-ECBF559EB3B0}"/>
+              </a:ext>
+            </a:extLst>
+          </p:cNvPr>
+          <p:cNvSpPr>
+            <a:spLocks noGrp="1"/>
+          </p:cNvSpPr>
+          <p:nvPr>
+            <p:ph type="title"/>
+          </p:nvPr>
+        </p:nvSpPr>
+        <p:spPr/>
+        <p:txBody>
+          <a:bodyPr/>
+          <a:lstStyle/>
+          <a:p>
+            <a:r>
+              <a:rPr lang="en-US" dirty="0"/>
+              <a:t>Conclusion</a:t>
+            </a:r>
+          </a:p>
+        </p:txBody>
+      </p:sp>
+      <p:sp>
+        <p:nvSpPr>
+          <p:cNvPr id="3" name="Content Placeholder 2">
+            <a:extLst>
+              <a:ext uri="{FF2B5EF4-FFF2-40B4-BE49-F238E27FC236}">
+                <a16:creationId xmlns:a16="http://schemas.microsoft.com/office/drawing/2014/main" id="{D315D90B-8483-4188-899C-8CDE936BAFC4}"/>
+              </a:ext>
+            </a:extLst>
+          </p:cNvPr>
+          <p:cNvSpPr>
+            <a:spLocks noGrp="1"/>
+          </p:cNvSpPr>
+          <p:nvPr>
+            <p:ph idx="1"/>
+          </p:nvPr>
+        </p:nvSpPr>
+        <p:spPr/>
+        <p:txBody>
+          <a:bodyPr/>
+          <a:lstStyle/>
+          <a:p>
+            <a:pPr>
+              <a:buFont typeface="Arial" panose="020B0604020202020204" pitchFamily="34" charset="0"/>
+              <a:buChar char="•"/>
+            </a:pPr>
+            <a:r>
+              <a:rPr lang="en-US" dirty="0"/>
+              <a:t>Family had problem deciding which of the top two Disney themed resorts is a better go to</a:t>
+            </a:r>
+          </a:p>
+          <a:p>
+            <a:pPr>
+              <a:buFont typeface="Arial" panose="020B0604020202020204" pitchFamily="34" charset="0"/>
+              <a:buChar char="•"/>
+            </a:pPr>
+            <a:r>
+              <a:rPr lang="en-US" dirty="0"/>
+              <a:t>Mapping data was important to show the specific location of each hotel and medical center</a:t>
+            </a:r>
+          </a:p>
+          <a:p>
+            <a:pPr>
+              <a:buFont typeface="Arial" panose="020B0604020202020204" pitchFamily="34" charset="0"/>
+              <a:buChar char="•"/>
+            </a:pPr>
+            <a:r>
+              <a:rPr lang="en-US" dirty="0"/>
+              <a:t>Disney land resort was showing the best outcome</a:t>
+            </a:r>
+          </a:p>
+        </p:txBody>
+      </p:sp>
+    </p:spTree>
+    <p:extLst>
+      <p:ext uri="{BB962C8B-B14F-4D97-AF65-F5344CB8AC3E}">
+        <p14:creationId xmlns:p14="http://schemas.microsoft.com/office/powerpoint/2010/main" val="757864848"/>
       </p:ext>
     </p:extLst>
   </p:cSld>
